--- a/docs/diagrams/UiComponentClassDiagram.pptx
+++ b/docs/diagrams/UiComponentClassDiagram.pptx
@@ -126,6 +126,10 @@
 </p:presentation>
 </file>
 
+<file path=ppt/revisionInfo.xml><?xml version="1.0" encoding="utf-8"?>
+<p1510:revInfo xmlns:a="http://schemas.openxmlformats.org/drawingml/2006/main" xmlns:r="http://schemas.openxmlformats.org/officeDocument/2006/relationships" xmlns:p1510="http://schemas.microsoft.com/office/powerpoint/2015/10/main"/>
+</file>
+
 <file path=ppt/notesMasters/notesMaster1.xml><?xml version="1.0" encoding="utf-8"?>
 <p:notesMaster xmlns:a="http://schemas.openxmlformats.org/drawingml/2006/main" xmlns:r="http://schemas.openxmlformats.org/officeDocument/2006/relationships" xmlns:p="http://schemas.openxmlformats.org/presentationml/2006/main">
   <p:cSld>
@@ -208,7 +212,7 @@
           <a:p>
             <a:fld id="{F5CC4B3F-88C1-4FFA-B1B6-F41C21DC6924}" type="datetimeFigureOut">
               <a:rPr lang="en-US" smtClean="0"/>
-              <a:t>1/7/2017</a:t>
+              <a:t>11/9/2017</a:t>
             </a:fld>
             <a:endParaRPr lang="en-US"/>
           </a:p>
@@ -654,7 +658,7 @@
           <a:p>
             <a:fld id="{78C97017-6FC3-485B-9764-EAC9E56C1D49}" type="datetimeFigureOut">
               <a:rPr lang="en-US" smtClean="0"/>
-              <a:t>1/7/2017</a:t>
+              <a:t>11/9/2017</a:t>
             </a:fld>
             <a:endParaRPr lang="en-US"/>
           </a:p>
@@ -822,7 +826,7 @@
           <a:p>
             <a:fld id="{78C97017-6FC3-485B-9764-EAC9E56C1D49}" type="datetimeFigureOut">
               <a:rPr lang="en-US" smtClean="0"/>
-              <a:t>1/7/2017</a:t>
+              <a:t>11/9/2017</a:t>
             </a:fld>
             <a:endParaRPr lang="en-US"/>
           </a:p>
@@ -1000,7 +1004,7 @@
           <a:p>
             <a:fld id="{78C97017-6FC3-485B-9764-EAC9E56C1D49}" type="datetimeFigureOut">
               <a:rPr lang="en-US" smtClean="0"/>
-              <a:t>1/7/2017</a:t>
+              <a:t>11/9/2017</a:t>
             </a:fld>
             <a:endParaRPr lang="en-US"/>
           </a:p>
@@ -1168,7 +1172,7 @@
           <a:p>
             <a:fld id="{78C97017-6FC3-485B-9764-EAC9E56C1D49}" type="datetimeFigureOut">
               <a:rPr lang="en-US" smtClean="0"/>
-              <a:t>1/7/2017</a:t>
+              <a:t>11/9/2017</a:t>
             </a:fld>
             <a:endParaRPr lang="en-US"/>
           </a:p>
@@ -1413,7 +1417,7 @@
           <a:p>
             <a:fld id="{78C97017-6FC3-485B-9764-EAC9E56C1D49}" type="datetimeFigureOut">
               <a:rPr lang="en-US" smtClean="0"/>
-              <a:t>1/7/2017</a:t>
+              <a:t>11/9/2017</a:t>
             </a:fld>
             <a:endParaRPr lang="en-US"/>
           </a:p>
@@ -1698,7 +1702,7 @@
           <a:p>
             <a:fld id="{78C97017-6FC3-485B-9764-EAC9E56C1D49}" type="datetimeFigureOut">
               <a:rPr lang="en-US" smtClean="0"/>
-              <a:t>1/7/2017</a:t>
+              <a:t>11/9/2017</a:t>
             </a:fld>
             <a:endParaRPr lang="en-US"/>
           </a:p>
@@ -2117,7 +2121,7 @@
           <a:p>
             <a:fld id="{78C97017-6FC3-485B-9764-EAC9E56C1D49}" type="datetimeFigureOut">
               <a:rPr lang="en-US" smtClean="0"/>
-              <a:t>1/7/2017</a:t>
+              <a:t>11/9/2017</a:t>
             </a:fld>
             <a:endParaRPr lang="en-US"/>
           </a:p>
@@ -2234,7 +2238,7 @@
           <a:p>
             <a:fld id="{78C97017-6FC3-485B-9764-EAC9E56C1D49}" type="datetimeFigureOut">
               <a:rPr lang="en-US" smtClean="0"/>
-              <a:t>1/7/2017</a:t>
+              <a:t>11/9/2017</a:t>
             </a:fld>
             <a:endParaRPr lang="en-US"/>
           </a:p>
@@ -2329,7 +2333,7 @@
           <a:p>
             <a:fld id="{78C97017-6FC3-485B-9764-EAC9E56C1D49}" type="datetimeFigureOut">
               <a:rPr lang="en-US" smtClean="0"/>
-              <a:t>1/7/2017</a:t>
+              <a:t>11/9/2017</a:t>
             </a:fld>
             <a:endParaRPr lang="en-US"/>
           </a:p>
@@ -2604,7 +2608,7 @@
           <a:p>
             <a:fld id="{78C97017-6FC3-485B-9764-EAC9E56C1D49}" type="datetimeFigureOut">
               <a:rPr lang="en-US" smtClean="0"/>
-              <a:t>1/7/2017</a:t>
+              <a:t>11/9/2017</a:t>
             </a:fld>
             <a:endParaRPr lang="en-US"/>
           </a:p>
@@ -2856,7 +2860,7 @@
           <a:p>
             <a:fld id="{78C97017-6FC3-485B-9764-EAC9E56C1D49}" type="datetimeFigureOut">
               <a:rPr lang="en-US" smtClean="0"/>
-              <a:t>1/7/2017</a:t>
+              <a:t>11/9/2017</a:t>
             </a:fld>
             <a:endParaRPr lang="en-US"/>
           </a:p>
@@ -3067,7 +3071,7 @@
           <a:p>
             <a:fld id="{78C97017-6FC3-485B-9764-EAC9E56C1D49}" type="datetimeFigureOut">
               <a:rPr lang="en-US" smtClean="0"/>
-              <a:t>1/7/2017</a:t>
+              <a:t>11/9/2017</a:t>
             </a:fld>
             <a:endParaRPr lang="en-US"/>
           </a:p>
@@ -3450,8 +3454,8 @@
         </p:nvSpPr>
         <p:spPr>
           <a:xfrm>
-            <a:off x="1217465" y="1447800"/>
-            <a:ext cx="4917083" cy="3962400"/>
+            <a:off x="938165" y="1442059"/>
+            <a:ext cx="5633897" cy="4664942"/>
           </a:xfrm>
           <a:prstGeom prst="roundRect">
             <a:avLst>
@@ -5509,6 +5513,232 @@
           </a:p>
         </p:txBody>
       </p:sp>
+      <p:sp>
+        <p:nvSpPr>
+          <p:cNvPr id="42" name="Rectangle 11">
+            <a:extLst>
+              <a:ext uri="{FF2B5EF4-FFF2-40B4-BE49-F238E27FC236}">
+                <a16:creationId xmlns:a16="http://schemas.microsoft.com/office/drawing/2014/main" id="{8BC298C8-7CA3-4539-A376-E040CB49F833}"/>
+              </a:ext>
+            </a:extLst>
+          </p:cNvPr>
+          <p:cNvSpPr/>
+          <p:nvPr/>
+        </p:nvSpPr>
+        <p:spPr>
+          <a:xfrm>
+            <a:off x="2590799" y="5312760"/>
+            <a:ext cx="1093635" cy="236841"/>
+          </a:xfrm>
+          <a:prstGeom prst="rect">
+            <a:avLst/>
+          </a:prstGeom>
+          <a:ln w="19050">
+            <a:solidFill>
+              <a:schemeClr val="accent3"/>
+            </a:solidFill>
+          </a:ln>
+          <a:effectLst/>
+        </p:spPr>
+        <p:style>
+          <a:lnRef idx="1">
+            <a:schemeClr val="accent3"/>
+          </a:lnRef>
+          <a:fillRef idx="2">
+            <a:schemeClr val="accent3"/>
+          </a:fillRef>
+          <a:effectRef idx="1">
+            <a:schemeClr val="accent3"/>
+          </a:effectRef>
+          <a:fontRef idx="minor">
+            <a:schemeClr val="dk1"/>
+          </a:fontRef>
+        </p:style>
+        <p:txBody>
+          <a:bodyPr rtlCol="0" anchor="ctr"/>
+          <a:lstStyle/>
+          <a:p>
+            <a:pPr algn="ctr"/>
+            <a:r>
+              <a:rPr lang="en-US" sz="1050" b="1" dirty="0" err="1">
+                <a:solidFill>
+                  <a:schemeClr val="accent3">
+                    <a:lumMod val="75000"/>
+                  </a:schemeClr>
+                </a:solidFill>
+              </a:rPr>
+              <a:t>MrtWindow</a:t>
+            </a:r>
+            <a:endParaRPr lang="en-SG" sz="1050" b="1" dirty="0">
+              <a:solidFill>
+                <a:schemeClr val="accent3">
+                  <a:lumMod val="75000"/>
+                </a:schemeClr>
+              </a:solidFill>
+            </a:endParaRPr>
+          </a:p>
+        </p:txBody>
+      </p:sp>
+      <p:sp>
+        <p:nvSpPr>
+          <p:cNvPr id="45" name="Rectangle 11">
+            <a:extLst>
+              <a:ext uri="{FF2B5EF4-FFF2-40B4-BE49-F238E27FC236}">
+                <a16:creationId xmlns:a16="http://schemas.microsoft.com/office/drawing/2014/main" id="{84F3BEC3-3767-41B9-A07C-4874B761328C}"/>
+              </a:ext>
+            </a:extLst>
+          </p:cNvPr>
+          <p:cNvSpPr/>
+          <p:nvPr/>
+        </p:nvSpPr>
+        <p:spPr>
+          <a:xfrm>
+            <a:off x="2590799" y="5701472"/>
+            <a:ext cx="1093635" cy="186910"/>
+          </a:xfrm>
+          <a:prstGeom prst="rect">
+            <a:avLst/>
+          </a:prstGeom>
+          <a:ln w="19050">
+            <a:solidFill>
+              <a:schemeClr val="accent3"/>
+            </a:solidFill>
+          </a:ln>
+          <a:effectLst/>
+        </p:spPr>
+        <p:style>
+          <a:lnRef idx="1">
+            <a:schemeClr val="accent3"/>
+          </a:lnRef>
+          <a:fillRef idx="2">
+            <a:schemeClr val="accent3"/>
+          </a:fillRef>
+          <a:effectRef idx="1">
+            <a:schemeClr val="accent3"/>
+          </a:effectRef>
+          <a:fontRef idx="minor">
+            <a:schemeClr val="dk1"/>
+          </a:fontRef>
+        </p:style>
+        <p:txBody>
+          <a:bodyPr rtlCol="0" anchor="ctr"/>
+          <a:lstStyle/>
+          <a:p>
+            <a:pPr algn="ctr"/>
+            <a:r>
+              <a:rPr lang="en-US" sz="1000" b="1" dirty="0" err="1">
+                <a:solidFill>
+                  <a:schemeClr val="accent3">
+                    <a:lumMod val="75000"/>
+                  </a:schemeClr>
+                </a:solidFill>
+              </a:rPr>
+              <a:t>CnntactWindow</a:t>
+            </a:r>
+            <a:endParaRPr lang="en-SG" sz="1000" b="1" dirty="0">
+              <a:solidFill>
+                <a:schemeClr val="accent3">
+                  <a:lumMod val="75000"/>
+                </a:schemeClr>
+              </a:solidFill>
+            </a:endParaRPr>
+          </a:p>
+        </p:txBody>
+      </p:sp>
+      <p:cxnSp>
+        <p:nvCxnSpPr>
+          <p:cNvPr id="46" name="Elbow Connector 63">
+            <a:extLst>
+              <a:ext uri="{FF2B5EF4-FFF2-40B4-BE49-F238E27FC236}">
+                <a16:creationId xmlns:a16="http://schemas.microsoft.com/office/drawing/2014/main" id="{FEF65636-A307-4091-9C4E-B1D0DFCCBD0D}"/>
+              </a:ext>
+            </a:extLst>
+          </p:cNvPr>
+          <p:cNvCxnSpPr>
+            <a:cxnSpLocks/>
+            <a:endCxn id="42" idx="1"/>
+          </p:cNvCxnSpPr>
+          <p:nvPr/>
+        </p:nvCxnSpPr>
+        <p:spPr>
+          <a:xfrm rot="16200000" flipH="1">
+            <a:off x="996881" y="3837263"/>
+            <a:ext cx="2750358" cy="437477"/>
+          </a:xfrm>
+          <a:prstGeom prst="bentConnector2">
+            <a:avLst/>
+          </a:prstGeom>
+          <a:ln w="19050">
+            <a:solidFill>
+              <a:schemeClr val="accent3"/>
+            </a:solidFill>
+            <a:headEnd type="none" w="med" len="med"/>
+            <a:tailEnd type="arrow" w="med" len="med"/>
+          </a:ln>
+          <a:effectLst/>
+        </p:spPr>
+        <p:style>
+          <a:lnRef idx="1">
+            <a:schemeClr val="accent2"/>
+          </a:lnRef>
+          <a:fillRef idx="2">
+            <a:schemeClr val="accent2"/>
+          </a:fillRef>
+          <a:effectRef idx="1">
+            <a:schemeClr val="accent2"/>
+          </a:effectRef>
+          <a:fontRef idx="minor">
+            <a:schemeClr val="dk1"/>
+          </a:fontRef>
+        </p:style>
+      </p:cxnSp>
+      <p:cxnSp>
+        <p:nvCxnSpPr>
+          <p:cNvPr id="48" name="Elbow Connector 63">
+            <a:extLst>
+              <a:ext uri="{FF2B5EF4-FFF2-40B4-BE49-F238E27FC236}">
+                <a16:creationId xmlns:a16="http://schemas.microsoft.com/office/drawing/2014/main" id="{7E5D91E2-55DD-43CE-8FF9-F562AD4E48CC}"/>
+              </a:ext>
+            </a:extLst>
+          </p:cNvPr>
+          <p:cNvCxnSpPr>
+            <a:cxnSpLocks/>
+            <a:endCxn id="45" idx="1"/>
+          </p:cNvCxnSpPr>
+          <p:nvPr/>
+        </p:nvCxnSpPr>
+        <p:spPr>
+          <a:xfrm rot="16200000" flipH="1">
+            <a:off x="830904" y="4035032"/>
+            <a:ext cx="3099788" cy="420001"/>
+          </a:xfrm>
+          <a:prstGeom prst="bentConnector2">
+            <a:avLst/>
+          </a:prstGeom>
+          <a:ln w="19050">
+            <a:solidFill>
+              <a:schemeClr val="accent3"/>
+            </a:solidFill>
+            <a:headEnd type="none" w="med" len="med"/>
+            <a:tailEnd type="arrow" w="med" len="med"/>
+          </a:ln>
+          <a:effectLst/>
+        </p:spPr>
+        <p:style>
+          <a:lnRef idx="1">
+            <a:schemeClr val="accent2"/>
+          </a:lnRef>
+          <a:fillRef idx="2">
+            <a:schemeClr val="accent2"/>
+          </a:fillRef>
+          <a:effectRef idx="1">
+            <a:schemeClr val="accent2"/>
+          </a:effectRef>
+          <a:fontRef idx="minor">
+            <a:schemeClr val="dk1"/>
+          </a:fontRef>
+        </p:style>
+      </p:cxnSp>
     </p:spTree>
     <p:extLst>
       <p:ext uri="{BB962C8B-B14F-4D97-AF65-F5344CB8AC3E}">

--- a/docs/diagrams/UiComponentClassDiagram.pptx
+++ b/docs/diagrams/UiComponentClassDiagram.pptx
@@ -5721,6 +5721,103 @@
             </a:solidFill>
             <a:headEnd type="none" w="med" len="med"/>
             <a:tailEnd type="arrow" w="med" len="med"/>
+          </a:ln>
+          <a:effectLst/>
+        </p:spPr>
+        <p:style>
+          <a:lnRef idx="1">
+            <a:schemeClr val="accent2"/>
+          </a:lnRef>
+          <a:fillRef idx="2">
+            <a:schemeClr val="accent2"/>
+          </a:fillRef>
+          <a:effectRef idx="1">
+            <a:schemeClr val="accent2"/>
+          </a:effectRef>
+          <a:fontRef idx="minor">
+            <a:schemeClr val="dk1"/>
+          </a:fontRef>
+        </p:style>
+      </p:cxnSp>
+      <p:cxnSp>
+        <p:nvCxnSpPr>
+          <p:cNvPr id="49" name="Elbow Connector 63">
+            <a:extLst>
+              <a:ext uri="{FF2B5EF4-FFF2-40B4-BE49-F238E27FC236}">
+                <a16:creationId xmlns:a16="http://schemas.microsoft.com/office/drawing/2014/main" id="{94CF7D9F-1919-4AAD-8BC3-2C30ECA46462}"/>
+              </a:ext>
+            </a:extLst>
+          </p:cNvPr>
+          <p:cNvCxnSpPr>
+            <a:cxnSpLocks/>
+            <a:endCxn id="42" idx="3"/>
+          </p:cNvCxnSpPr>
+          <p:nvPr/>
+        </p:nvCxnSpPr>
+        <p:spPr>
+          <a:xfrm rot="10800000" flipV="1">
+            <a:off x="3684435" y="5084421"/>
+            <a:ext cx="1845539" cy="346760"/>
+          </a:xfrm>
+          <a:prstGeom prst="bentConnector3">
+            <a:avLst>
+              <a:gd name="adj1" fmla="val -97"/>
+            </a:avLst>
+          </a:prstGeom>
+          <a:ln w="6350">
+            <a:solidFill>
+              <a:schemeClr val="accent3"/>
+            </a:solidFill>
+            <a:headEnd type="none" w="med" len="med"/>
+            <a:tailEnd type="none" w="med" len="med"/>
+          </a:ln>
+          <a:effectLst/>
+        </p:spPr>
+        <p:style>
+          <a:lnRef idx="1">
+            <a:schemeClr val="accent2"/>
+          </a:lnRef>
+          <a:fillRef idx="2">
+            <a:schemeClr val="accent2"/>
+          </a:fillRef>
+          <a:effectRef idx="1">
+            <a:schemeClr val="accent2"/>
+          </a:effectRef>
+          <a:fontRef idx="minor">
+            <a:schemeClr val="dk1"/>
+          </a:fontRef>
+        </p:style>
+      </p:cxnSp>
+      <p:cxnSp>
+        <p:nvCxnSpPr>
+          <p:cNvPr id="51" name="Elbow Connector 63">
+            <a:extLst>
+              <a:ext uri="{FF2B5EF4-FFF2-40B4-BE49-F238E27FC236}">
+                <a16:creationId xmlns:a16="http://schemas.microsoft.com/office/drawing/2014/main" id="{695F1E9F-C034-40FE-B38E-FE36584CFA8E}"/>
+              </a:ext>
+            </a:extLst>
+          </p:cNvPr>
+          <p:cNvCxnSpPr>
+            <a:cxnSpLocks/>
+          </p:cNvCxnSpPr>
+          <p:nvPr/>
+        </p:nvCxnSpPr>
+        <p:spPr>
+          <a:xfrm rot="10800000" flipV="1">
+            <a:off x="3682707" y="5431179"/>
+            <a:ext cx="1847263" cy="325253"/>
+          </a:xfrm>
+          <a:prstGeom prst="bentConnector3">
+            <a:avLst>
+              <a:gd name="adj1" fmla="val -302"/>
+            </a:avLst>
+          </a:prstGeom>
+          <a:ln w="6350">
+            <a:solidFill>
+              <a:schemeClr val="accent3"/>
+            </a:solidFill>
+            <a:headEnd type="none" w="med" len="med"/>
+            <a:tailEnd type="none" w="med" len="med"/>
           </a:ln>
           <a:effectLst/>
         </p:spPr>
